--- a/Awards/Innovator of the Week.pptx
+++ b/Awards/Innovator of the Week.pptx
@@ -106,7 +106,7 @@
   </p:defaultTextStyle>
   <p:extLst>
     <p:ext uri="{EFAFB233-063F-42B5-8137-9DF3F51BA10A}">
-      <p15:sldGuideLst xmlns:p15="http://schemas.microsoft.com/office/powerpoint/2012/main" xmlns="">
+      <p15:sldGuideLst xmlns:p15="http://schemas.microsoft.com/office/powerpoint/2012/main">
         <p15:guide id="1" orient="horz" pos="2160">
           <p15:clr>
             <a:srgbClr val="A4A3A4"/>
@@ -6757,7 +6757,7 @@
             <a:fld id="{1D8BD707-D9CF-40AE-B4C6-C98DA3205C09}" type="datetimeFigureOut">
               <a:rPr lang="en-US" smtClean="0"/>
               <a:pPr/>
-              <a:t>6/3/17</a:t>
+              <a:t>6/9/2017</a:t>
             </a:fld>
             <a:endParaRPr lang="en-US"/>
           </a:p>
@@ -6966,7 +6966,7 @@
             <a:fld id="{1D8BD707-D9CF-40AE-B4C6-C98DA3205C09}" type="datetimeFigureOut">
               <a:rPr lang="en-US" smtClean="0"/>
               <a:pPr/>
-              <a:t>6/3/17</a:t>
+              <a:t>6/9/2017</a:t>
             </a:fld>
             <a:endParaRPr lang="en-US"/>
           </a:p>
@@ -7148,7 +7148,7 @@
             <a:fld id="{1D8BD707-D9CF-40AE-B4C6-C98DA3205C09}" type="datetimeFigureOut">
               <a:rPr lang="en-US" smtClean="0"/>
               <a:pPr/>
-              <a:t>6/3/17</a:t>
+              <a:t>6/9/2017</a:t>
             </a:fld>
             <a:endParaRPr lang="en-US"/>
           </a:p>
@@ -7355,7 +7355,7 @@
             <a:fld id="{1D8BD707-D9CF-40AE-B4C6-C98DA3205C09}" type="datetimeFigureOut">
               <a:rPr lang="en-US" smtClean="0"/>
               <a:pPr/>
-              <a:t>6/3/17</a:t>
+              <a:t>6/9/2017</a:t>
             </a:fld>
             <a:endParaRPr lang="en-US"/>
           </a:p>
@@ -14095,7 +14095,7 @@
             <a:fld id="{1D8BD707-D9CF-40AE-B4C6-C98DA3205C09}" type="datetimeFigureOut">
               <a:rPr lang="en-US" smtClean="0"/>
               <a:pPr/>
-              <a:t>6/3/17</a:t>
+              <a:t>6/9/2017</a:t>
             </a:fld>
             <a:endParaRPr lang="en-US"/>
           </a:p>
@@ -14371,7 +14371,7 @@
             <a:fld id="{1D8BD707-D9CF-40AE-B4C6-C98DA3205C09}" type="datetimeFigureOut">
               <a:rPr lang="en-US" smtClean="0"/>
               <a:pPr/>
-              <a:t>6/3/17</a:t>
+              <a:t>6/9/2017</a:t>
             </a:fld>
             <a:endParaRPr lang="en-US"/>
           </a:p>
@@ -14776,7 +14776,7 @@
             <a:fld id="{1D8BD707-D9CF-40AE-B4C6-C98DA3205C09}" type="datetimeFigureOut">
               <a:rPr lang="en-US" smtClean="0"/>
               <a:pPr/>
-              <a:t>6/3/17</a:t>
+              <a:t>6/9/2017</a:t>
             </a:fld>
             <a:endParaRPr lang="en-US"/>
           </a:p>
@@ -14896,7 +14896,7 @@
             <a:fld id="{1D8BD707-D9CF-40AE-B4C6-C98DA3205C09}" type="datetimeFigureOut">
               <a:rPr lang="en-US" smtClean="0"/>
               <a:pPr/>
-              <a:t>6/3/17</a:t>
+              <a:t>6/9/2017</a:t>
             </a:fld>
             <a:endParaRPr lang="en-US"/>
           </a:p>
@@ -14993,7 +14993,7 @@
             <a:fld id="{1D8BD707-D9CF-40AE-B4C6-C98DA3205C09}" type="datetimeFigureOut">
               <a:rPr lang="en-US" smtClean="0"/>
               <a:pPr/>
-              <a:t>6/3/17</a:t>
+              <a:t>6/9/2017</a:t>
             </a:fld>
             <a:endParaRPr lang="en-US"/>
           </a:p>
@@ -15287,7 +15287,7 @@
             <a:fld id="{1D8BD707-D9CF-40AE-B4C6-C98DA3205C09}" type="datetimeFigureOut">
               <a:rPr lang="en-US" smtClean="0"/>
               <a:pPr/>
-              <a:t>6/3/17</a:t>
+              <a:t>6/9/2017</a:t>
             </a:fld>
             <a:endParaRPr lang="en-US"/>
           </a:p>
@@ -15569,7 +15569,7 @@
             <a:fld id="{1D8BD707-D9CF-40AE-B4C6-C98DA3205C09}" type="datetimeFigureOut">
               <a:rPr lang="en-US" smtClean="0"/>
               <a:pPr/>
-              <a:t>6/3/17</a:t>
+              <a:t>6/9/2017</a:t>
             </a:fld>
             <a:endParaRPr lang="en-US"/>
           </a:p>
@@ -15821,7 +15821,7 @@
             <a:fld id="{1D8BD707-D9CF-40AE-B4C6-C98DA3205C09}" type="datetimeFigureOut">
               <a:rPr lang="en-US" smtClean="0"/>
               <a:pPr/>
-              <a:t>6/3/17</a:t>
+              <a:t>6/9/2017</a:t>
             </a:fld>
             <a:endParaRPr lang="en-US"/>
           </a:p>
@@ -16484,7 +16484,7 @@
         <p:spPr>
           <a:xfrm>
             <a:off x="838200" y="2857238"/>
-            <a:ext cx="7543800" cy="2197525"/>
+            <a:ext cx="7543800" cy="1902059"/>
           </a:xfrm>
           <a:prstGeom prst="rect">
             <a:avLst/>
@@ -16503,7 +16503,7 @@
               </a:lnSpc>
             </a:pPr>
             <a:r>
-              <a:rPr lang="en-US" sz="5400" b="1" dirty="0" smtClean="0">
+              <a:rPr lang="en-US" sz="5400" b="1" dirty="0">
                 <a:solidFill>
                   <a:srgbClr val="C8C300"/>
                 </a:solidFill>
@@ -16513,14 +16513,6 @@
               </a:rPr>
               <a:t>Innovator of the Week</a:t>
             </a:r>
-            <a:endParaRPr lang="en-US" sz="5400" b="1" dirty="0">
-              <a:solidFill>
-                <a:srgbClr val="C8C300"/>
-              </a:solidFill>
-              <a:latin typeface="Futura ND for Nike 365 Cn XBd" charset="0"/>
-              <a:ea typeface="Futura ND for Nike 365 Cn XBd" charset="0"/>
-              <a:cs typeface="Futura ND for Nike 365 Cn XBd" charset="0"/>
-            </a:endParaRPr>
           </a:p>
           <a:p>
             <a:pPr lvl="0" algn="ctr">
@@ -16556,33 +16548,7 @@
                 <a:ea typeface="Trade Gothic for Nike 365" charset="0"/>
                 <a:cs typeface="Trade Gothic for Nike 365" charset="0"/>
               </a:rPr>
-              <a:t>Is recognized with the achievement of being </a:t>
-            </a:r>
-            <a:r>
-              <a:rPr lang="en-US" sz="2400" b="1" dirty="0" smtClean="0">
-                <a:solidFill>
-                  <a:schemeClr val="bg2">
-                    <a:lumMod val="50000"/>
-                  </a:schemeClr>
-                </a:solidFill>
-                <a:latin typeface="Futura ND for Nike 365 Cn XBd" charset="0"/>
-                <a:ea typeface="Trade Gothic for Nike 365" charset="0"/>
-                <a:cs typeface="Trade Gothic for Nike 365" charset="0"/>
-              </a:rPr>
-              <a:t>the</a:t>
-            </a:r>
-            <a:r>
-              <a:rPr lang="en-US" sz="2400" b="1" i="1" dirty="0" smtClean="0">
-                <a:solidFill>
-                  <a:schemeClr val="bg2">
-                    <a:lumMod val="50000"/>
-                  </a:schemeClr>
-                </a:solidFill>
-                <a:latin typeface="Futura ND for Nike 365 Cn XBd" charset="0"/>
-                <a:ea typeface="Trade Gothic for Nike 365" charset="0"/>
-                <a:cs typeface="Trade Gothic for Nike 365" charset="0"/>
-              </a:rPr>
-              <a:t> </a:t>
+              <a:t>Is recognized with the achievement of being the</a:t>
             </a:r>
             <a:r>
               <a:rPr lang="en-US" sz="2400" b="1" i="1" dirty="0">
@@ -16595,20 +16561,7 @@
                 <a:ea typeface="Trade Gothic for Nike 365" charset="0"/>
                 <a:cs typeface="Trade Gothic for Nike 365" charset="0"/>
               </a:rPr>
-              <a:t>innovator </a:t>
-            </a:r>
-            <a:r>
-              <a:rPr lang="en-US" sz="2400" b="1" dirty="0" smtClean="0">
-                <a:solidFill>
-                  <a:schemeClr val="bg2">
-                    <a:lumMod val="50000"/>
-                  </a:schemeClr>
-                </a:solidFill>
-                <a:latin typeface="Futura ND for Nike 365 Cn XBd" charset="0"/>
-                <a:ea typeface="Trade Gothic for Nike 365" charset="0"/>
-                <a:cs typeface="Trade Gothic for Nike 365" charset="0"/>
-              </a:rPr>
-              <a:t>of the week in Science</a:t>
+              <a:t> innovator </a:t>
             </a:r>
             <a:r>
               <a:rPr lang="en-US" sz="2400" b="1" dirty="0">
@@ -16621,20 +16574,7 @@
                 <a:ea typeface="Trade Gothic for Nike 365" charset="0"/>
                 <a:cs typeface="Trade Gothic for Nike 365" charset="0"/>
               </a:rPr>
-              <a:t>. Your ideas </a:t>
-            </a:r>
-            <a:r>
-              <a:rPr lang="en-US" sz="2400" b="1" dirty="0" smtClean="0">
-                <a:solidFill>
-                  <a:schemeClr val="bg2">
-                    <a:lumMod val="50000"/>
-                  </a:schemeClr>
-                </a:solidFill>
-                <a:latin typeface="Futura ND for Nike 365 Cn XBd" charset="0"/>
-                <a:ea typeface="Trade Gothic for Nike 365" charset="0"/>
-                <a:cs typeface="Trade Gothic for Nike 365" charset="0"/>
-              </a:rPr>
-              <a:t>inspire </a:t>
+              <a:t>of the week in Science. Your ideas inspire </a:t>
             </a:r>
             <a:r>
               <a:rPr lang="en-US" sz="2400" b="1" i="1" dirty="0">
@@ -16660,10 +16600,10 @@
                 <a:ea typeface="Trade Gothic for Nike 365" charset="0"/>
                 <a:cs typeface="Trade Gothic for Nike 365" charset="0"/>
               </a:rPr>
-              <a:t> </a:t>
+              <a:t> to </a:t>
             </a:r>
             <a:r>
-              <a:rPr lang="en-US" sz="2400" b="1" dirty="0" smtClean="0">
+              <a:rPr lang="en-US" sz="2400" b="1">
                 <a:solidFill>
                   <a:schemeClr val="bg2">
                     <a:lumMod val="50000"/>
@@ -16673,7 +16613,20 @@
                 <a:ea typeface="Trade Gothic for Nike 365" charset="0"/>
                 <a:cs typeface="Trade Gothic for Nike 365" charset="0"/>
               </a:rPr>
-              <a:t>to improve our ideas as a community. </a:t>
+              <a:t>improve our ideas</a:t>
+            </a:r>
+            <a:r>
+              <a:rPr lang="en-US" sz="2400" b="1" dirty="0">
+                <a:solidFill>
+                  <a:schemeClr val="bg2">
+                    <a:lumMod val="50000"/>
+                  </a:schemeClr>
+                </a:solidFill>
+                <a:latin typeface="Futura ND for Nike 365 Cn XBd" charset="0"/>
+                <a:ea typeface="Trade Gothic for Nike 365" charset="0"/>
+                <a:cs typeface="Trade Gothic for Nike 365" charset="0"/>
+              </a:rPr>
+              <a:t>. </a:t>
             </a:r>
             <a:endParaRPr lang="en-US" sz="2400" b="1" dirty="0">
               <a:solidFill>
@@ -16712,29 +16665,14 @@
           <a:p>
             <a:pPr algn="ctr"/>
             <a:r>
-              <a:rPr lang="en-US" dirty="0" smtClean="0">
+              <a:rPr lang="en-US" dirty="0">
                 <a:solidFill>
                   <a:srgbClr val="C8C300"/>
                 </a:solidFill>
                 <a:latin typeface="Forte" panose="03060902040502070203" pitchFamily="66" charset="0"/>
               </a:rPr>
-              <a:t>Open Ideas </a:t>
+              <a:t>Open Ideas in Science Club</a:t>
             </a:r>
-            <a:r>
-              <a:rPr lang="en-US" smtClean="0">
-                <a:solidFill>
-                  <a:srgbClr val="C8C300"/>
-                </a:solidFill>
-                <a:latin typeface="Forte" panose="03060902040502070203" pitchFamily="66" charset="0"/>
-              </a:rPr>
-              <a:t>in Science</a:t>
-            </a:r>
-            <a:endParaRPr lang="en-US" dirty="0">
-              <a:solidFill>
-                <a:srgbClr val="C8C300"/>
-              </a:solidFill>
-              <a:latin typeface="Forte" panose="03060902040502070203" pitchFamily="66" charset="0"/>
-            </a:endParaRPr>
           </a:p>
         </p:txBody>
       </p:sp>
@@ -16779,7 +16717,7 @@
               <a:t> </a:t>
             </a:r>
             <a:r>
-              <a:rPr lang="en-US" sz="1600" b="1" dirty="0" smtClean="0">
+              <a:rPr lang="en-US" sz="1600" b="1" dirty="0">
                 <a:solidFill>
                   <a:schemeClr val="bg2">
                     <a:lumMod val="50000"/>
@@ -16789,33 +16727,7 @@
                 <a:ea typeface="Trade Gothic for Nike 365" charset="0"/>
                 <a:cs typeface="Trade Gothic for Nike 365" charset="0"/>
               </a:rPr>
-              <a:t>June </a:t>
-            </a:r>
-            <a:r>
-              <a:rPr lang="en-US" sz="1600" b="1" dirty="0" smtClean="0">
-                <a:solidFill>
-                  <a:schemeClr val="bg2">
-                    <a:lumMod val="50000"/>
-                  </a:schemeClr>
-                </a:solidFill>
-                <a:latin typeface="Futura ND for Nike 365 Cn XBd" charset="0"/>
-                <a:ea typeface="Trade Gothic for Nike 365" charset="0"/>
-                <a:cs typeface="Trade Gothic for Nike 365" charset="0"/>
-              </a:rPr>
-              <a:t>03</a:t>
-            </a:r>
-            <a:r>
-              <a:rPr lang="en-US" sz="1600" b="1" dirty="0" smtClean="0">
-                <a:solidFill>
-                  <a:schemeClr val="bg2">
-                    <a:lumMod val="50000"/>
-                  </a:schemeClr>
-                </a:solidFill>
-                <a:latin typeface="Futura ND for Nike 365 Cn XBd" charset="0"/>
-                <a:ea typeface="Trade Gothic for Nike 365" charset="0"/>
-                <a:cs typeface="Trade Gothic for Nike 365" charset="0"/>
-              </a:rPr>
-              <a:t>, 2017</a:t>
+              <a:t>June 10, 2017</a:t>
             </a:r>
             <a:endParaRPr lang="en-US" sz="1600" b="1" dirty="0">
               <a:solidFill>
@@ -17135,7 +17047,7 @@
   <a:extraClrSchemeLst/>
   <a:extLst>
     <a:ext uri="{05A4C25C-085E-4340-85A3-A5531E510DB2}">
-      <thm15:themeFamily xmlns:thm15="http://schemas.microsoft.com/office/thememl/2012/main" xmlns="" name="Integral" id="{3577F8C9-A904-41D8-97D2-FD898F53F20E}" vid="{682D6EBE-8D36-4FF2-9DB3-F3D8D7B6715D}"/>
+      <thm15:themeFamily xmlns:thm15="http://schemas.microsoft.com/office/thememl/2012/main" name="Integral" id="{3577F8C9-A904-41D8-97D2-FD898F53F20E}" vid="{682D6EBE-8D36-4FF2-9DB3-F3D8D7B6715D}"/>
     </a:ext>
   </a:extLst>
 </a:theme>
